--- a/수업 자료/10 - RG 엔진 심화.pptx
+++ b/수업 자료/10 - RG 엔진 심화.pptx
@@ -1,6 +1,6 @@
 
 <file path=ppt/presentation.xml><?xml version="1.0" encoding="utf-8"?>
-<p:presentation xmlns:a="http://schemas.openxmlformats.org/drawingml/2006/main" xmlns:r="http://schemas.openxmlformats.org/officeDocument/2006/relationships" xmlns:p="http://schemas.openxmlformats.org/presentationml/2006/main" saveSubsetFonts="1">
+<p:presentation xmlns:a="http://schemas.openxmlformats.org/drawingml/2006/main" xmlns:r="http://schemas.openxmlformats.org/officeDocument/2006/relationships" xmlns:p="http://schemas.openxmlformats.org/presentationml/2006/main" embedTrueTypeFonts="1" saveSubsetFonts="1">
   <p:sldMasterIdLst>
     <p:sldMasterId id="2147483648" r:id="rId1"/>
   </p:sldMasterIdLst>
@@ -13,6 +13,17 @@
   </p:sldIdLst>
   <p:sldSz cx="12192000" cy="6858000"/>
   <p:notesSz cx="6858000" cy="9144000"/>
+  <p:embeddedFontLst>
+    <p:embeddedFont>
+      <p:font typeface="나눔고딕 Light" panose="020D0904000000000000" pitchFamily="50" charset="-127"/>
+      <p:regular r:id="rId7"/>
+    </p:embeddedFont>
+    <p:embeddedFont>
+      <p:font typeface="맑은 고딕" panose="020B0503020000020004" pitchFamily="50" charset="-127"/>
+      <p:regular r:id="rId8"/>
+      <p:bold r:id="rId9"/>
+    </p:embeddedFont>
+  </p:embeddedFontLst>
   <p:defaultTextStyle>
     <a:defPPr>
       <a:defRPr lang="ko-KR"/>
@@ -263,7 +274,7 @@
           <a:p>
             <a:fld id="{3BAD717E-5B48-41D6-98B3-DB23E84BF0BC}" type="datetimeFigureOut">
               <a:rPr lang="ko-KR" altLang="en-US" smtClean="0"/>
-              <a:t>2021-07-30</a:t>
+              <a:t>2021-08-02</a:t>
             </a:fld>
             <a:endParaRPr lang="ko-KR" altLang="en-US"/>
           </a:p>
@@ -461,7 +472,7 @@
           <a:p>
             <a:fld id="{3BAD717E-5B48-41D6-98B3-DB23E84BF0BC}" type="datetimeFigureOut">
               <a:rPr lang="ko-KR" altLang="en-US" smtClean="0"/>
-              <a:t>2021-07-30</a:t>
+              <a:t>2021-08-02</a:t>
             </a:fld>
             <a:endParaRPr lang="ko-KR" altLang="en-US"/>
           </a:p>
@@ -669,7 +680,7 @@
           <a:p>
             <a:fld id="{3BAD717E-5B48-41D6-98B3-DB23E84BF0BC}" type="datetimeFigureOut">
               <a:rPr lang="ko-KR" altLang="en-US" smtClean="0"/>
-              <a:t>2021-07-30</a:t>
+              <a:t>2021-08-02</a:t>
             </a:fld>
             <a:endParaRPr lang="ko-KR" altLang="en-US"/>
           </a:p>
@@ -867,7 +878,7 @@
           <a:p>
             <a:fld id="{3BAD717E-5B48-41D6-98B3-DB23E84BF0BC}" type="datetimeFigureOut">
               <a:rPr lang="ko-KR" altLang="en-US" smtClean="0"/>
-              <a:t>2021-07-30</a:t>
+              <a:t>2021-08-02</a:t>
             </a:fld>
             <a:endParaRPr lang="ko-KR" altLang="en-US"/>
           </a:p>
@@ -1142,7 +1153,7 @@
           <a:p>
             <a:fld id="{3BAD717E-5B48-41D6-98B3-DB23E84BF0BC}" type="datetimeFigureOut">
               <a:rPr lang="ko-KR" altLang="en-US" smtClean="0"/>
-              <a:t>2021-07-30</a:t>
+              <a:t>2021-08-02</a:t>
             </a:fld>
             <a:endParaRPr lang="ko-KR" altLang="en-US"/>
           </a:p>
@@ -1407,7 +1418,7 @@
           <a:p>
             <a:fld id="{3BAD717E-5B48-41D6-98B3-DB23E84BF0BC}" type="datetimeFigureOut">
               <a:rPr lang="ko-KR" altLang="en-US" smtClean="0"/>
-              <a:t>2021-07-30</a:t>
+              <a:t>2021-08-02</a:t>
             </a:fld>
             <a:endParaRPr lang="ko-KR" altLang="en-US"/>
           </a:p>
@@ -1819,7 +1830,7 @@
           <a:p>
             <a:fld id="{3BAD717E-5B48-41D6-98B3-DB23E84BF0BC}" type="datetimeFigureOut">
               <a:rPr lang="ko-KR" altLang="en-US" smtClean="0"/>
-              <a:t>2021-07-30</a:t>
+              <a:t>2021-08-02</a:t>
             </a:fld>
             <a:endParaRPr lang="ko-KR" altLang="en-US"/>
           </a:p>
@@ -1960,7 +1971,7 @@
           <a:p>
             <a:fld id="{3BAD717E-5B48-41D6-98B3-DB23E84BF0BC}" type="datetimeFigureOut">
               <a:rPr lang="ko-KR" altLang="en-US" smtClean="0"/>
-              <a:t>2021-07-30</a:t>
+              <a:t>2021-08-02</a:t>
             </a:fld>
             <a:endParaRPr lang="ko-KR" altLang="en-US"/>
           </a:p>
@@ -2073,7 +2084,7 @@
           <a:p>
             <a:fld id="{3BAD717E-5B48-41D6-98B3-DB23E84BF0BC}" type="datetimeFigureOut">
               <a:rPr lang="ko-KR" altLang="en-US" smtClean="0"/>
-              <a:t>2021-07-30</a:t>
+              <a:t>2021-08-02</a:t>
             </a:fld>
             <a:endParaRPr lang="ko-KR" altLang="en-US"/>
           </a:p>
@@ -2384,7 +2395,7 @@
           <a:p>
             <a:fld id="{3BAD717E-5B48-41D6-98B3-DB23E84BF0BC}" type="datetimeFigureOut">
               <a:rPr lang="ko-KR" altLang="en-US" smtClean="0"/>
-              <a:t>2021-07-30</a:t>
+              <a:t>2021-08-02</a:t>
             </a:fld>
             <a:endParaRPr lang="ko-KR" altLang="en-US"/>
           </a:p>
@@ -2672,7 +2683,7 @@
           <a:p>
             <a:fld id="{3BAD717E-5B48-41D6-98B3-DB23E84BF0BC}" type="datetimeFigureOut">
               <a:rPr lang="ko-KR" altLang="en-US" smtClean="0"/>
-              <a:t>2021-07-30</a:t>
+              <a:t>2021-08-02</a:t>
             </a:fld>
             <a:endParaRPr lang="ko-KR" altLang="en-US"/>
           </a:p>
@@ -2913,7 +2924,7 @@
           <a:p>
             <a:fld id="{3BAD717E-5B48-41D6-98B3-DB23E84BF0BC}" type="datetimeFigureOut">
               <a:rPr lang="ko-KR" altLang="en-US" smtClean="0"/>
-              <a:t>2021-07-30</a:t>
+              <a:t>2021-08-02</a:t>
             </a:fld>
             <a:endParaRPr lang="ko-KR" altLang="en-US"/>
           </a:p>

--- a/수업 자료/10 - RG 엔진 심화.pptx
+++ b/수업 자료/10 - RG 엔진 심화.pptx
@@ -274,7 +274,7 @@
           <a:p>
             <a:fld id="{3BAD717E-5B48-41D6-98B3-DB23E84BF0BC}" type="datetimeFigureOut">
               <a:rPr lang="ko-KR" altLang="en-US" smtClean="0"/>
-              <a:t>2021-08-02</a:t>
+              <a:t>2021-08-05</a:t>
             </a:fld>
             <a:endParaRPr lang="ko-KR" altLang="en-US"/>
           </a:p>
@@ -472,7 +472,7 @@
           <a:p>
             <a:fld id="{3BAD717E-5B48-41D6-98B3-DB23E84BF0BC}" type="datetimeFigureOut">
               <a:rPr lang="ko-KR" altLang="en-US" smtClean="0"/>
-              <a:t>2021-08-02</a:t>
+              <a:t>2021-08-05</a:t>
             </a:fld>
             <a:endParaRPr lang="ko-KR" altLang="en-US"/>
           </a:p>
@@ -680,7 +680,7 @@
           <a:p>
             <a:fld id="{3BAD717E-5B48-41D6-98B3-DB23E84BF0BC}" type="datetimeFigureOut">
               <a:rPr lang="ko-KR" altLang="en-US" smtClean="0"/>
-              <a:t>2021-08-02</a:t>
+              <a:t>2021-08-05</a:t>
             </a:fld>
             <a:endParaRPr lang="ko-KR" altLang="en-US"/>
           </a:p>
@@ -878,7 +878,7 @@
           <a:p>
             <a:fld id="{3BAD717E-5B48-41D6-98B3-DB23E84BF0BC}" type="datetimeFigureOut">
               <a:rPr lang="ko-KR" altLang="en-US" smtClean="0"/>
-              <a:t>2021-08-02</a:t>
+              <a:t>2021-08-05</a:t>
             </a:fld>
             <a:endParaRPr lang="ko-KR" altLang="en-US"/>
           </a:p>
@@ -1153,7 +1153,7 @@
           <a:p>
             <a:fld id="{3BAD717E-5B48-41D6-98B3-DB23E84BF0BC}" type="datetimeFigureOut">
               <a:rPr lang="ko-KR" altLang="en-US" smtClean="0"/>
-              <a:t>2021-08-02</a:t>
+              <a:t>2021-08-05</a:t>
             </a:fld>
             <a:endParaRPr lang="ko-KR" altLang="en-US"/>
           </a:p>
@@ -1418,7 +1418,7 @@
           <a:p>
             <a:fld id="{3BAD717E-5B48-41D6-98B3-DB23E84BF0BC}" type="datetimeFigureOut">
               <a:rPr lang="ko-KR" altLang="en-US" smtClean="0"/>
-              <a:t>2021-08-02</a:t>
+              <a:t>2021-08-05</a:t>
             </a:fld>
             <a:endParaRPr lang="ko-KR" altLang="en-US"/>
           </a:p>
@@ -1830,7 +1830,7 @@
           <a:p>
             <a:fld id="{3BAD717E-5B48-41D6-98B3-DB23E84BF0BC}" type="datetimeFigureOut">
               <a:rPr lang="ko-KR" altLang="en-US" smtClean="0"/>
-              <a:t>2021-08-02</a:t>
+              <a:t>2021-08-05</a:t>
             </a:fld>
             <a:endParaRPr lang="ko-KR" altLang="en-US"/>
           </a:p>
@@ -1971,7 +1971,7 @@
           <a:p>
             <a:fld id="{3BAD717E-5B48-41D6-98B3-DB23E84BF0BC}" type="datetimeFigureOut">
               <a:rPr lang="ko-KR" altLang="en-US" smtClean="0"/>
-              <a:t>2021-08-02</a:t>
+              <a:t>2021-08-05</a:t>
             </a:fld>
             <a:endParaRPr lang="ko-KR" altLang="en-US"/>
           </a:p>
@@ -2084,7 +2084,7 @@
           <a:p>
             <a:fld id="{3BAD717E-5B48-41D6-98B3-DB23E84BF0BC}" type="datetimeFigureOut">
               <a:rPr lang="ko-KR" altLang="en-US" smtClean="0"/>
-              <a:t>2021-08-02</a:t>
+              <a:t>2021-08-05</a:t>
             </a:fld>
             <a:endParaRPr lang="ko-KR" altLang="en-US"/>
           </a:p>
@@ -2395,7 +2395,7 @@
           <a:p>
             <a:fld id="{3BAD717E-5B48-41D6-98B3-DB23E84BF0BC}" type="datetimeFigureOut">
               <a:rPr lang="ko-KR" altLang="en-US" smtClean="0"/>
-              <a:t>2021-08-02</a:t>
+              <a:t>2021-08-05</a:t>
             </a:fld>
             <a:endParaRPr lang="ko-KR" altLang="en-US"/>
           </a:p>
@@ -2683,7 +2683,7 @@
           <a:p>
             <a:fld id="{3BAD717E-5B48-41D6-98B3-DB23E84BF0BC}" type="datetimeFigureOut">
               <a:rPr lang="ko-KR" altLang="en-US" smtClean="0"/>
-              <a:t>2021-08-02</a:t>
+              <a:t>2021-08-05</a:t>
             </a:fld>
             <a:endParaRPr lang="ko-KR" altLang="en-US"/>
           </a:p>
@@ -2924,7 +2924,7 @@
           <a:p>
             <a:fld id="{3BAD717E-5B48-41D6-98B3-DB23E84BF0BC}" type="datetimeFigureOut">
               <a:rPr lang="ko-KR" altLang="en-US" smtClean="0"/>
-              <a:t>2021-08-02</a:t>
+              <a:t>2021-08-05</a:t>
             </a:fld>
             <a:endParaRPr lang="ko-KR" altLang="en-US"/>
           </a:p>

--- a/수업 자료/10 - RG 엔진 심화.pptx
+++ b/수업 자료/10 - RG 엔진 심화.pptx
@@ -274,7 +274,7 @@
           <a:p>
             <a:fld id="{3BAD717E-5B48-41D6-98B3-DB23E84BF0BC}" type="datetimeFigureOut">
               <a:rPr lang="ko-KR" altLang="en-US" smtClean="0"/>
-              <a:t>2021-08-05</a:t>
+              <a:t>2021-08-08</a:t>
             </a:fld>
             <a:endParaRPr lang="ko-KR" altLang="en-US"/>
           </a:p>
@@ -472,7 +472,7 @@
           <a:p>
             <a:fld id="{3BAD717E-5B48-41D6-98B3-DB23E84BF0BC}" type="datetimeFigureOut">
               <a:rPr lang="ko-KR" altLang="en-US" smtClean="0"/>
-              <a:t>2021-08-05</a:t>
+              <a:t>2021-08-08</a:t>
             </a:fld>
             <a:endParaRPr lang="ko-KR" altLang="en-US"/>
           </a:p>
@@ -680,7 +680,7 @@
           <a:p>
             <a:fld id="{3BAD717E-5B48-41D6-98B3-DB23E84BF0BC}" type="datetimeFigureOut">
               <a:rPr lang="ko-KR" altLang="en-US" smtClean="0"/>
-              <a:t>2021-08-05</a:t>
+              <a:t>2021-08-08</a:t>
             </a:fld>
             <a:endParaRPr lang="ko-KR" altLang="en-US"/>
           </a:p>
@@ -878,7 +878,7 @@
           <a:p>
             <a:fld id="{3BAD717E-5B48-41D6-98B3-DB23E84BF0BC}" type="datetimeFigureOut">
               <a:rPr lang="ko-KR" altLang="en-US" smtClean="0"/>
-              <a:t>2021-08-05</a:t>
+              <a:t>2021-08-08</a:t>
             </a:fld>
             <a:endParaRPr lang="ko-KR" altLang="en-US"/>
           </a:p>
@@ -1153,7 +1153,7 @@
           <a:p>
             <a:fld id="{3BAD717E-5B48-41D6-98B3-DB23E84BF0BC}" type="datetimeFigureOut">
               <a:rPr lang="ko-KR" altLang="en-US" smtClean="0"/>
-              <a:t>2021-08-05</a:t>
+              <a:t>2021-08-08</a:t>
             </a:fld>
             <a:endParaRPr lang="ko-KR" altLang="en-US"/>
           </a:p>
@@ -1418,7 +1418,7 @@
           <a:p>
             <a:fld id="{3BAD717E-5B48-41D6-98B3-DB23E84BF0BC}" type="datetimeFigureOut">
               <a:rPr lang="ko-KR" altLang="en-US" smtClean="0"/>
-              <a:t>2021-08-05</a:t>
+              <a:t>2021-08-08</a:t>
             </a:fld>
             <a:endParaRPr lang="ko-KR" altLang="en-US"/>
           </a:p>
@@ -1830,7 +1830,7 @@
           <a:p>
             <a:fld id="{3BAD717E-5B48-41D6-98B3-DB23E84BF0BC}" type="datetimeFigureOut">
               <a:rPr lang="ko-KR" altLang="en-US" smtClean="0"/>
-              <a:t>2021-08-05</a:t>
+              <a:t>2021-08-08</a:t>
             </a:fld>
             <a:endParaRPr lang="ko-KR" altLang="en-US"/>
           </a:p>
@@ -1971,7 +1971,7 @@
           <a:p>
             <a:fld id="{3BAD717E-5B48-41D6-98B3-DB23E84BF0BC}" type="datetimeFigureOut">
               <a:rPr lang="ko-KR" altLang="en-US" smtClean="0"/>
-              <a:t>2021-08-05</a:t>
+              <a:t>2021-08-08</a:t>
             </a:fld>
             <a:endParaRPr lang="ko-KR" altLang="en-US"/>
           </a:p>
@@ -2084,7 +2084,7 @@
           <a:p>
             <a:fld id="{3BAD717E-5B48-41D6-98B3-DB23E84BF0BC}" type="datetimeFigureOut">
               <a:rPr lang="ko-KR" altLang="en-US" smtClean="0"/>
-              <a:t>2021-08-05</a:t>
+              <a:t>2021-08-08</a:t>
             </a:fld>
             <a:endParaRPr lang="ko-KR" altLang="en-US"/>
           </a:p>
@@ -2395,7 +2395,7 @@
           <a:p>
             <a:fld id="{3BAD717E-5B48-41D6-98B3-DB23E84BF0BC}" type="datetimeFigureOut">
               <a:rPr lang="ko-KR" altLang="en-US" smtClean="0"/>
-              <a:t>2021-08-05</a:t>
+              <a:t>2021-08-08</a:t>
             </a:fld>
             <a:endParaRPr lang="ko-KR" altLang="en-US"/>
           </a:p>
@@ -2683,7 +2683,7 @@
           <a:p>
             <a:fld id="{3BAD717E-5B48-41D6-98B3-DB23E84BF0BC}" type="datetimeFigureOut">
               <a:rPr lang="ko-KR" altLang="en-US" smtClean="0"/>
-              <a:t>2021-08-05</a:t>
+              <a:t>2021-08-08</a:t>
             </a:fld>
             <a:endParaRPr lang="ko-KR" altLang="en-US"/>
           </a:p>
@@ -2924,7 +2924,7 @@
           <a:p>
             <a:fld id="{3BAD717E-5B48-41D6-98B3-DB23E84BF0BC}" type="datetimeFigureOut">
               <a:rPr lang="ko-KR" altLang="en-US" smtClean="0"/>
-              <a:t>2021-08-05</a:t>
+              <a:t>2021-08-08</a:t>
             </a:fld>
             <a:endParaRPr lang="ko-KR" altLang="en-US"/>
           </a:p>
@@ -3575,7 +3575,7 @@
         <p:spPr>
           <a:xfrm>
             <a:off x="4262004" y="2643925"/>
-            <a:ext cx="3259226" cy="1631216"/>
+            <a:ext cx="1763624" cy="1631216"/>
           </a:xfrm>
           <a:prstGeom prst="rect">
             <a:avLst/>
@@ -3642,20 +3642,6 @@
               </a:rPr>
               <a:t>뷰 렌더러</a:t>
             </a:r>
-            <a:r>
-              <a:rPr lang="en-US" altLang="ko-KR" sz="2000">
-                <a:latin typeface="나눔고딕 Light" panose="020D0904000000000000" pitchFamily="50" charset="-127"/>
-                <a:ea typeface="나눔고딕 Light" panose="020D0904000000000000" pitchFamily="50" charset="-127"/>
-              </a:rPr>
-              <a:t>, </a:t>
-            </a:r>
-            <a:r>
-              <a:rPr lang="ko-KR" altLang="en-US" sz="2000">
-                <a:latin typeface="나눔고딕 Light" panose="020D0904000000000000" pitchFamily="50" charset="-127"/>
-                <a:ea typeface="나눔고딕 Light" panose="020D0904000000000000" pitchFamily="50" charset="-127"/>
-              </a:rPr>
-              <a:t>비트맵 렌더러</a:t>
-            </a:r>
             <a:endParaRPr lang="en-US" altLang="ko-KR" sz="2000">
               <a:latin typeface="나눔고딕 Light" panose="020D0904000000000000" pitchFamily="50" charset="-127"/>
               <a:ea typeface="나눔고딕 Light" panose="020D0904000000000000" pitchFamily="50" charset="-127"/>
@@ -3674,7 +3660,7 @@
                 <a:latin typeface="나눔고딕 Light" panose="020D0904000000000000" pitchFamily="50" charset="-127"/>
                 <a:ea typeface="나눔고딕 Light" panose="020D0904000000000000" pitchFamily="50" charset="-127"/>
               </a:rPr>
-              <a:t>카메라 효과 기법</a:t>
+              <a:t>미니맵</a:t>
             </a:r>
             <a:endParaRPr lang="en-US" altLang="ko-KR" sz="2000">
               <a:latin typeface="나눔고딕 Light" panose="020D0904000000000000" pitchFamily="50" charset="-127"/>
